--- a/docs/JythonInANutshell.pptx
+++ b/docs/JythonInANutshell.pptx
@@ -302,7 +302,7 @@
             <a:fld id="{134883B5-AD1C-4F90-A842-D4EED048D4D0}" type="datetimeFigureOut">
               <a:rPr lang="en-US" smtClean="0"/>
               <a:pPr/>
-              <a:t>3/23/2014</a:t>
+              <a:t>3/28/2014</a:t>
             </a:fld>
             <a:endParaRPr lang="en-US"/>
           </a:p>
@@ -469,7 +469,7 @@
             <a:fld id="{134883B5-AD1C-4F90-A842-D4EED048D4D0}" type="datetimeFigureOut">
               <a:rPr lang="en-US" smtClean="0"/>
               <a:pPr/>
-              <a:t>3/23/2014</a:t>
+              <a:t>3/28/2014</a:t>
             </a:fld>
             <a:endParaRPr lang="en-US"/>
           </a:p>
@@ -646,7 +646,7 @@
             <a:fld id="{134883B5-AD1C-4F90-A842-D4EED048D4D0}" type="datetimeFigureOut">
               <a:rPr lang="en-US" smtClean="0"/>
               <a:pPr/>
-              <a:t>3/23/2014</a:t>
+              <a:t>3/28/2014</a:t>
             </a:fld>
             <a:endParaRPr lang="en-US"/>
           </a:p>
@@ -813,7 +813,7 @@
             <a:fld id="{134883B5-AD1C-4F90-A842-D4EED048D4D0}" type="datetimeFigureOut">
               <a:rPr lang="en-US" smtClean="0"/>
               <a:pPr/>
-              <a:t>3/23/2014</a:t>
+              <a:t>3/28/2014</a:t>
             </a:fld>
             <a:endParaRPr lang="en-US"/>
           </a:p>
@@ -1056,7 +1056,7 @@
             <a:fld id="{134883B5-AD1C-4F90-A842-D4EED048D4D0}" type="datetimeFigureOut">
               <a:rPr lang="en-US" smtClean="0"/>
               <a:pPr/>
-              <a:t>3/23/2014</a:t>
+              <a:t>3/28/2014</a:t>
             </a:fld>
             <a:endParaRPr lang="en-US"/>
           </a:p>
@@ -1341,7 +1341,7 @@
             <a:fld id="{134883B5-AD1C-4F90-A842-D4EED048D4D0}" type="datetimeFigureOut">
               <a:rPr lang="en-US" smtClean="0"/>
               <a:pPr/>
-              <a:t>3/23/2014</a:t>
+              <a:t>3/28/2014</a:t>
             </a:fld>
             <a:endParaRPr lang="en-US"/>
           </a:p>
@@ -1760,7 +1760,7 @@
             <a:fld id="{134883B5-AD1C-4F90-A842-D4EED048D4D0}" type="datetimeFigureOut">
               <a:rPr lang="en-US" smtClean="0"/>
               <a:pPr/>
-              <a:t>3/23/2014</a:t>
+              <a:t>3/28/2014</a:t>
             </a:fld>
             <a:endParaRPr lang="en-US"/>
           </a:p>
@@ -1875,7 +1875,7 @@
             <a:fld id="{134883B5-AD1C-4F90-A842-D4EED048D4D0}" type="datetimeFigureOut">
               <a:rPr lang="en-US" smtClean="0"/>
               <a:pPr/>
-              <a:t>3/23/2014</a:t>
+              <a:t>3/28/2014</a:t>
             </a:fld>
             <a:endParaRPr lang="en-US"/>
           </a:p>
@@ -1967,7 +1967,7 @@
             <a:fld id="{134883B5-AD1C-4F90-A842-D4EED048D4D0}" type="datetimeFigureOut">
               <a:rPr lang="en-US" smtClean="0"/>
               <a:pPr/>
-              <a:t>3/23/2014</a:t>
+              <a:t>3/28/2014</a:t>
             </a:fld>
             <a:endParaRPr lang="en-US"/>
           </a:p>
@@ -2241,7 +2241,7 @@
             <a:fld id="{134883B5-AD1C-4F90-A842-D4EED048D4D0}" type="datetimeFigureOut">
               <a:rPr lang="en-US" smtClean="0"/>
               <a:pPr/>
-              <a:t>3/23/2014</a:t>
+              <a:t>3/28/2014</a:t>
             </a:fld>
             <a:endParaRPr lang="en-US"/>
           </a:p>
@@ -2491,7 +2491,7 @@
             <a:fld id="{134883B5-AD1C-4F90-A842-D4EED048D4D0}" type="datetimeFigureOut">
               <a:rPr lang="en-US" smtClean="0"/>
               <a:pPr/>
-              <a:t>3/23/2014</a:t>
+              <a:t>3/28/2014</a:t>
             </a:fld>
             <a:endParaRPr lang="en-US"/>
           </a:p>
@@ -2701,7 +2701,7 @@
             <a:fld id="{134883B5-AD1C-4F90-A842-D4EED048D4D0}" type="datetimeFigureOut">
               <a:rPr lang="en-US" smtClean="0"/>
               <a:pPr/>
-              <a:t>3/23/2014</a:t>
+              <a:t>3/28/2014</a:t>
             </a:fld>
             <a:endParaRPr lang="en-US"/>
           </a:p>
@@ -3146,28 +3146,14 @@
               <a:rPr lang="fr-BE" dirty="0" smtClean="0">
                 <a:hlinkClick r:id="rId3"/>
               </a:rPr>
-              <a:t>http://www.jython.org/jythonbook/en/1.0</a:t>
-            </a:r>
-            <a:r>
-              <a:rPr lang="fr-BE" dirty="0" smtClean="0">
-                <a:hlinkClick r:id="rId3"/>
-              </a:rPr>
-              <a:t>/</a:t>
+              <a:t>http://www.jython.org/jythonbook/en/1.0/</a:t>
             </a:r>
             <a:endParaRPr lang="fr-BE" dirty="0" smtClean="0"/>
           </a:p>
           <a:p>
             <a:r>
               <a:rPr lang="en-US" dirty="0" smtClean="0"/>
-              <a:t>Style guide 			http</a:t>
-            </a:r>
-            <a:r>
-              <a:rPr lang="en-US" dirty="0" smtClean="0"/>
-              <a:t>://legacy.python.org/dev/peps/pep-0008</a:t>
-            </a:r>
-            <a:r>
-              <a:rPr lang="en-US" dirty="0" smtClean="0"/>
-              <a:t>/</a:t>
+              <a:t>Style guide 			http://legacy.python.org/dev/peps/pep-0008/</a:t>
             </a:r>
           </a:p>
           <a:p>
@@ -3184,7 +3170,9 @@
           <p:nvPr/>
         </p:nvPicPr>
         <p:blipFill>
-          <a:blip r:embed="rId4" cstate="print"/>
+          <a:blip r:embed="rId4" cstate="print">
+            <a:lum bright="-20000"/>
+          </a:blip>
           <a:srcRect/>
           <a:stretch>
             <a:fillRect/>
@@ -4461,7 +4449,15 @@
                   </a:schemeClr>
                 </a:solidFill>
               </a:rPr>
-              <a:t> </a:t>
+              <a:t> transpose(</a:t>
+            </a:r>
+            <a:r>
+              <a:rPr lang="fr-BE" sz="2000" b="1" dirty="0" smtClean="0">
+                <a:solidFill>
+                  <a:srgbClr val="FF0000"/>
+                </a:solidFill>
+              </a:rPr>
+              <a:t>self</a:t>
             </a:r>
             <a:r>
               <a:rPr lang="fr-BE" sz="2000" dirty="0" smtClean="0">
@@ -4471,39 +4467,16 @@
                   </a:schemeClr>
                 </a:solidFill>
               </a:rPr>
-              <a:t>transpose(</a:t>
+              <a:t>)</a:t>
             </a:r>
             <a:r>
               <a:rPr lang="fr-BE" sz="2000" b="1" dirty="0" smtClean="0">
                 <a:solidFill>
-                  <a:srgbClr val="FF0000"/>
-                </a:solidFill>
-              </a:rPr>
-              <a:t>self</a:t>
-            </a:r>
-            <a:r>
-              <a:rPr lang="fr-BE" sz="2000" dirty="0" smtClean="0">
-                <a:solidFill>
-                  <a:schemeClr val="bg1">
-                    <a:lumMod val="50000"/>
-                  </a:schemeClr>
-                </a:solidFill>
-              </a:rPr>
-              <a:t>)</a:t>
-            </a:r>
-            <a:r>
-              <a:rPr lang="fr-BE" sz="2000" b="1" dirty="0" smtClean="0">
-                <a:solidFill>
                   <a:schemeClr val="accent1"/>
                 </a:solidFill>
               </a:rPr>
               <a:t>:</a:t>
             </a:r>
-            <a:endParaRPr lang="fr-BE" sz="2000" b="1" dirty="0" smtClean="0">
-              <a:solidFill>
-                <a:schemeClr val="accent1"/>
-              </a:solidFill>
-            </a:endParaRPr>
           </a:p>
           <a:p>
             <a:r>
@@ -4703,17 +4676,7 @@
                   </a:schemeClr>
                 </a:solidFill>
               </a:rPr>
-              <a:t> </a:t>
-            </a:r>
-            <a:r>
-              <a:rPr lang="fr-BE" sz="2000" dirty="0" smtClean="0">
-                <a:solidFill>
-                  <a:schemeClr val="bg1">
-                    <a:lumMod val="50000"/>
-                  </a:schemeClr>
-                </a:solidFill>
-              </a:rPr>
-              <a:t>distance(</a:t>
+              <a:t> distance(</a:t>
             </a:r>
             <a:r>
               <a:rPr lang="fr-BE" sz="2000" b="1" dirty="0" err="1" smtClean="0">
@@ -4851,17 +4814,7 @@
                   </a:schemeClr>
                 </a:solidFill>
               </a:rPr>
-              <a:t>__init</a:t>
-            </a:r>
-            <a:r>
-              <a:rPr lang="fr-BE" sz="2000" dirty="0" err="1" smtClean="0">
-                <a:solidFill>
-                  <a:schemeClr val="bg1">
-                    <a:lumMod val="50000"/>
-                  </a:schemeClr>
-                </a:solidFill>
-              </a:rPr>
-              <a:t>__</a:t>
+              <a:t>__init__</a:t>
             </a:r>
             <a:r>
               <a:rPr lang="fr-BE" sz="2000" dirty="0" smtClean="0">
@@ -5354,8 +5307,8 @@
         </p:nvSpPr>
         <p:spPr>
           <a:xfrm>
-            <a:off x="3707904" y="6381328"/>
-            <a:ext cx="5319085" cy="369332"/>
+            <a:off x="4499992" y="6381328"/>
+            <a:ext cx="4413388" cy="338554"/>
           </a:xfrm>
           <a:prstGeom prst="rect">
             <a:avLst/>
@@ -5369,23 +5322,23 @@
           <a:lstStyle/>
           <a:p>
             <a:r>
-              <a:rPr lang="fr-BE" dirty="0" err="1" smtClean="0"/>
+              <a:rPr lang="fr-BE" sz="1600" dirty="0" err="1" smtClean="0"/>
               <a:t>dont't</a:t>
             </a:r>
             <a:r>
-              <a:rPr lang="fr-BE" dirty="0" smtClean="0"/>
+              <a:rPr lang="fr-BE" sz="1600" dirty="0" smtClean="0"/>
               <a:t> </a:t>
             </a:r>
             <a:r>
-              <a:rPr lang="fr-BE" dirty="0" err="1" smtClean="0"/>
+              <a:rPr lang="fr-BE" sz="1600" dirty="0" err="1" smtClean="0"/>
               <a:t>forget</a:t>
             </a:r>
             <a:r>
-              <a:rPr lang="fr-BE" dirty="0" smtClean="0"/>
+              <a:rPr lang="fr-BE" sz="1600" dirty="0" smtClean="0"/>
               <a:t> the </a:t>
             </a:r>
             <a:r>
-              <a:rPr lang="fr-BE" dirty="0" smtClean="0">
+              <a:rPr lang="fr-BE" sz="1600" dirty="0" smtClean="0">
                 <a:solidFill>
                   <a:srgbClr val="FF0000"/>
                 </a:solidFill>
@@ -5393,26 +5346,26 @@
               <a:t>self</a:t>
             </a:r>
             <a:r>
-              <a:rPr lang="fr-BE" dirty="0" smtClean="0"/>
+              <a:rPr lang="fr-BE" sz="1600" dirty="0" smtClean="0"/>
               <a:t> </a:t>
             </a:r>
             <a:r>
-              <a:rPr lang="fr-BE" dirty="0" err="1" smtClean="0"/>
+              <a:rPr lang="fr-BE" sz="1600" dirty="0" err="1" smtClean="0"/>
               <a:t>parameter</a:t>
             </a:r>
             <a:r>
-              <a:rPr lang="fr-BE" dirty="0" smtClean="0"/>
-              <a:t> in the </a:t>
-            </a:r>
-            <a:r>
-              <a:rPr lang="fr-BE" dirty="0" err="1" smtClean="0"/>
+              <a:rPr lang="fr-BE" sz="1600" dirty="0" smtClean="0"/>
+              <a:t> in </a:t>
+            </a:r>
+            <a:r>
+              <a:rPr lang="fr-BE" sz="1600" dirty="0" err="1" smtClean="0"/>
               <a:t>declarations</a:t>
             </a:r>
             <a:r>
-              <a:rPr lang="fr-BE" dirty="0" smtClean="0"/>
+              <a:rPr lang="fr-BE" sz="1600" dirty="0" smtClean="0"/>
               <a:t>!</a:t>
             </a:r>
-            <a:endParaRPr lang="en-US" dirty="0"/>
+            <a:endParaRPr lang="en-US" sz="1600" dirty="0"/>
           </a:p>
         </p:txBody>
       </p:sp>
@@ -6977,11 +6930,6 @@
               </a:rPr>
               <a:t> :</a:t>
             </a:r>
-            <a:endParaRPr lang="fr-BE" sz="2800" b="1" dirty="0" smtClean="0">
-              <a:solidFill>
-                <a:schemeClr val="accent1"/>
-              </a:solidFill>
-            </a:endParaRPr>
           </a:p>
           <a:p>
             <a:r>
@@ -7196,11 +7144,6 @@
               </a:rPr>
               <a:t> :</a:t>
             </a:r>
-            <a:endParaRPr lang="fr-BE" sz="2800" b="1" dirty="0" smtClean="0">
-              <a:solidFill>
-                <a:schemeClr val="accent1"/>
-              </a:solidFill>
-            </a:endParaRPr>
           </a:p>
           <a:p>
             <a:r>
@@ -10575,17 +10518,7 @@
                   </a:schemeClr>
                 </a:solidFill>
               </a:rPr>
-              <a:t>(11+1)+"1</a:t>
-            </a:r>
-            <a:r>
-              <a:rPr lang="fr-BE" sz="2400" dirty="0" smtClean="0">
-                <a:solidFill>
-                  <a:schemeClr val="bg1">
-                    <a:lumMod val="50000"/>
-                  </a:schemeClr>
-                </a:solidFill>
-              </a:rPr>
-              <a:t>"</a:t>
+              <a:t>(11+1)+"1"</a:t>
             </a:r>
           </a:p>
           <a:p>
@@ -10599,34 +10532,17 @@
               </a:rPr>
               <a:t>"g"+"oh"*3+"!"</a:t>
             </a:r>
-            <a:endParaRPr lang="fr-BE" sz="2400" dirty="0" smtClean="0">
-              <a:solidFill>
-                <a:schemeClr val="bg1">
-                  <a:lumMod val="50000"/>
-                </a:schemeClr>
-              </a:solidFill>
-            </a:endParaRPr>
-          </a:p>
-          <a:p>
-            <a:r>
-              <a:rPr lang="fr-BE" sz="2400" dirty="0" smtClean="0">
-                <a:solidFill>
-                  <a:schemeClr val="bg1">
-                    <a:lumMod val="50000"/>
-                  </a:schemeClr>
-                </a:solidFill>
-              </a:rPr>
-              <a:t>"</a:t>
-            </a:r>
-            <a:r>
-              <a:rPr lang="fr-BE" sz="2400" dirty="0" smtClean="0">
-                <a:solidFill>
-                  <a:schemeClr val="bg1">
-                    <a:lumMod val="50000"/>
-                  </a:schemeClr>
-                </a:solidFill>
-              </a:rPr>
-              <a:t>hello world !".</a:t>
+          </a:p>
+          <a:p>
+            <a:r>
+              <a:rPr lang="fr-BE" sz="2400" dirty="0" smtClean="0">
+                <a:solidFill>
+                  <a:schemeClr val="bg1">
+                    <a:lumMod val="50000"/>
+                  </a:schemeClr>
+                </a:solidFill>
+              </a:rPr>
+              <a:t>"hello world !".</a:t>
             </a:r>
             <a:r>
               <a:rPr lang="fr-BE" sz="2400" b="1" dirty="0" smtClean="0">
@@ -11111,47 +11027,34 @@
                   <a:srgbClr val="00B050"/>
                 </a:solidFill>
               </a:rPr>
-              <a:t># "121</a:t>
-            </a:r>
+              <a:t># "121"</a:t>
+            </a:r>
+          </a:p>
+          <a:p>
             <a:r>
               <a:rPr lang="fr-BE" sz="2400" dirty="0" smtClean="0">
                 <a:solidFill>
                   <a:srgbClr val="00B050"/>
                 </a:solidFill>
               </a:rPr>
-              <a:t>"</a:t>
-            </a:r>
-          </a:p>
-          <a:p>
-            <a:r>
-              <a:rPr lang="fr-BE" sz="2400" dirty="0" smtClean="0">
+              <a:t># "</a:t>
+            </a:r>
+            <a:r>
+              <a:rPr lang="fr-BE" sz="2400" dirty="0" err="1" smtClean="0">
                 <a:solidFill>
                   <a:srgbClr val="00B050"/>
                 </a:solidFill>
               </a:rPr>
-              <a:t># "</a:t>
-            </a:r>
-            <a:r>
-              <a:rPr lang="fr-BE" sz="2400" dirty="0" err="1" smtClean="0">
+              <a:t>gohohoh</a:t>
+            </a:r>
+            <a:r>
+              <a:rPr lang="fr-BE" sz="2400" dirty="0" smtClean="0">
                 <a:solidFill>
                   <a:srgbClr val="00B050"/>
                 </a:solidFill>
               </a:rPr>
-              <a:t>gohohoh</a:t>
-            </a:r>
-            <a:r>
-              <a:rPr lang="fr-BE" sz="2400" dirty="0" smtClean="0">
-                <a:solidFill>
-                  <a:srgbClr val="00B050"/>
-                </a:solidFill>
-              </a:rPr>
               <a:t>!"</a:t>
             </a:r>
-            <a:endParaRPr lang="fr-BE" sz="2400" dirty="0" smtClean="0">
-              <a:solidFill>
-                <a:srgbClr val="00B050"/>
-              </a:solidFill>
-            </a:endParaRPr>
           </a:p>
           <a:p>
             <a:r>
@@ -11209,15 +11112,7 @@
                   <a:srgbClr val="00B050"/>
                 </a:solidFill>
               </a:rPr>
-              <a:t>a-b-c</a:t>
-            </a:r>
-            <a:r>
-              <a:rPr lang="fr-BE" sz="2400" dirty="0" smtClean="0">
-                <a:solidFill>
-                  <a:srgbClr val="00B050"/>
-                </a:solidFill>
-              </a:rPr>
-              <a:t>"</a:t>
+              <a:t>a-b-c"</a:t>
             </a:r>
           </a:p>
           <a:p>
